--- a/pptx_res/Основы визуализации.pptx
+++ b/pptx_res/Основы визуализации.pptx
@@ -2,7 +2,7 @@
 <file path=ppt/presentation.xml><?xml version="1.0" encoding="utf-8"?>
 <p:presentation xmlns:a="http://schemas.openxmlformats.org/drawingml/2006/main" xmlns:r="http://schemas.openxmlformats.org/officeDocument/2006/relationships" xmlns:p="http://schemas.openxmlformats.org/presentationml/2006/main" showSpecialPlsOnTitleSld="0" saveSubsetFonts="1">
   <p:sldMasterIdLst>
-    <p:sldMasterId id="2147483673" r:id="rId1"/>
+    <p:sldMasterId id="2147483686" r:id="rId1"/>
   </p:sldMasterIdLst>
   <p:notesMasterIdLst>
     <p:notesMasterId r:id="rId12"/>
@@ -206,7 +206,7 @@
           <a:p>
             <a:fld id="{7EF0850B-D254-450E-A8DC-A3AF10C83EC7}" type="datetimeFigureOut">
               <a:rPr lang="ru-RU" smtClean="0"/>
-              <a:t>01.06.2017</a:t>
+              <a:t>21.07.2017</a:t>
             </a:fld>
             <a:endParaRPr lang="ru-RU"/>
           </a:p>
@@ -491,30 +491,6 @@
           <a:chExt cx="0" cy="0"/>
         </a:xfrm>
       </p:grpSpPr>
-      <p:pic>
-        <p:nvPicPr>
-          <p:cNvPr id="11" name="Рисунок 10"/>
-          <p:cNvPicPr>
-            <a:picLocks noChangeAspect="1"/>
-          </p:cNvPicPr>
-          <p:nvPr/>
-        </p:nvPicPr>
-        <p:blipFill>
-          <a:blip r:embed="rId2"/>
-          <a:stretch>
-            <a:fillRect/>
-          </a:stretch>
-        </p:blipFill>
-        <p:spPr>
-          <a:xfrm>
-            <a:off x="8639175" y="142875"/>
-            <a:ext cx="3413506" cy="3390900"/>
-          </a:xfrm>
-          <a:prstGeom prst="rect">
-            <a:avLst/>
-          </a:prstGeom>
-        </p:spPr>
-      </p:pic>
       <p:sp>
         <p:nvSpPr>
           <p:cNvPr id="7" name="Rectangle 6"/>
@@ -724,7 +700,7 @@
           <a:p>
             <a:fld id="{EFA8FDCA-B2D3-4184-BCA5-A6F45C44EA73}" type="datetime1">
               <a:rPr lang="ru-RU" smtClean="0"/>
-              <a:t>01.06.2017</a:t>
+              <a:t>21.07.2017</a:t>
             </a:fld>
             <a:endParaRPr lang="ru-RU"/>
           </a:p>
@@ -814,10 +790,40 @@
           </a:fontRef>
         </p:style>
       </p:cxnSp>
+      <p:pic>
+        <p:nvPicPr>
+          <p:cNvPr id="16" name="Рисунок 15"/>
+          <p:cNvPicPr>
+            <a:picLocks noChangeAspect="1"/>
+          </p:cNvPicPr>
+          <p:nvPr/>
+        </p:nvPicPr>
+        <p:blipFill>
+          <a:blip r:embed="rId2" cstate="print">
+            <a:extLst>
+              <a:ext uri="{28A0092B-C50C-407E-A947-70E740481C1C}">
+                <a14:useLocalDpi xmlns:a14="http://schemas.microsoft.com/office/drawing/2010/main" val="0"/>
+              </a:ext>
+            </a:extLst>
+          </a:blip>
+          <a:stretch>
+            <a:fillRect/>
+          </a:stretch>
+        </p:blipFill>
+        <p:spPr>
+          <a:xfrm>
+            <a:off x="8659123" y="123842"/>
+            <a:ext cx="3529720" cy="3596084"/>
+          </a:xfrm>
+          <a:prstGeom prst="rect">
+            <a:avLst/>
+          </a:prstGeom>
+        </p:spPr>
+      </p:pic>
     </p:spTree>
     <p:extLst>
       <p:ext uri="{BB962C8B-B14F-4D97-AF65-F5344CB8AC3E}">
-        <p14:creationId xmlns:p14="http://schemas.microsoft.com/office/powerpoint/2010/main" val="2435589002"/>
+        <p14:creationId xmlns:p14="http://schemas.microsoft.com/office/powerpoint/2010/main" val="3750442339"/>
       </p:ext>
     </p:extLst>
   </p:cSld>
@@ -936,7 +942,7 @@
           <a:p>
             <a:fld id="{D0DEB3D3-62D8-4DFE-B932-423B269C152E}" type="datetime1">
               <a:rPr lang="ru-RU" smtClean="0"/>
-              <a:t>01.06.2017</a:t>
+              <a:t>21.07.2017</a:t>
             </a:fld>
             <a:endParaRPr lang="ru-RU"/>
           </a:p>
@@ -991,7 +997,7 @@
     </p:spTree>
     <p:extLst>
       <p:ext uri="{BB962C8B-B14F-4D97-AF65-F5344CB8AC3E}">
-        <p14:creationId xmlns:p14="http://schemas.microsoft.com/office/powerpoint/2010/main" val="3914382744"/>
+        <p14:creationId xmlns:p14="http://schemas.microsoft.com/office/powerpoint/2010/main" val="2622472746"/>
       </p:ext>
     </p:extLst>
   </p:cSld>
@@ -1196,7 +1202,7 @@
           <a:p>
             <a:fld id="{0975086F-65E0-4AAD-9F0C-E662093B6C89}" type="datetime1">
               <a:rPr lang="ru-RU" smtClean="0"/>
-              <a:t>01.06.2017</a:t>
+              <a:t>21.07.2017</a:t>
             </a:fld>
             <a:endParaRPr lang="ru-RU"/>
           </a:p>
@@ -1251,7 +1257,7 @@
     </p:spTree>
     <p:extLst>
       <p:ext uri="{BB962C8B-B14F-4D97-AF65-F5344CB8AC3E}">
-        <p14:creationId xmlns:p14="http://schemas.microsoft.com/office/powerpoint/2010/main" val="1271598717"/>
+        <p14:creationId xmlns:p14="http://schemas.microsoft.com/office/powerpoint/2010/main" val="512816279"/>
       </p:ext>
     </p:extLst>
   </p:cSld>
@@ -1385,7 +1391,7 @@
     </p:spTree>
     <p:extLst>
       <p:ext uri="{BB962C8B-B14F-4D97-AF65-F5344CB8AC3E}">
-        <p14:creationId xmlns:p14="http://schemas.microsoft.com/office/powerpoint/2010/main" val="105700576"/>
+        <p14:creationId xmlns:p14="http://schemas.microsoft.com/office/powerpoint/2010/main" val="1177137893"/>
       </p:ext>
     </p:extLst>
   </p:cSld>
@@ -1504,7 +1510,7 @@
           <a:p>
             <a:fld id="{F341751A-FF0C-4EE6-8DB4-4A2962D73479}" type="datetime1">
               <a:rPr lang="ru-RU" smtClean="0"/>
-              <a:t>01.06.2017</a:t>
+              <a:t>21.07.2017</a:t>
             </a:fld>
             <a:endParaRPr lang="ru-RU"/>
           </a:p>
@@ -1589,7 +1595,7 @@
     </p:spTree>
     <p:extLst>
       <p:ext uri="{BB962C8B-B14F-4D97-AF65-F5344CB8AC3E}">
-        <p14:creationId xmlns:p14="http://schemas.microsoft.com/office/powerpoint/2010/main" val="420434418"/>
+        <p14:creationId xmlns:p14="http://schemas.microsoft.com/office/powerpoint/2010/main" val="878556456"/>
       </p:ext>
     </p:extLst>
   </p:cSld>
@@ -1881,7 +1887,7 @@
           <a:p>
             <a:fld id="{A1408439-BC52-4193-A6B0-30DEF25A6D47}" type="datetime1">
               <a:rPr lang="ru-RU" smtClean="0"/>
-              <a:t>01.06.2017</a:t>
+              <a:t>21.07.2017</a:t>
             </a:fld>
             <a:endParaRPr lang="ru-RU"/>
           </a:p>
@@ -1974,7 +1980,7 @@
     </p:spTree>
     <p:extLst>
       <p:ext uri="{BB962C8B-B14F-4D97-AF65-F5344CB8AC3E}">
-        <p14:creationId xmlns:p14="http://schemas.microsoft.com/office/powerpoint/2010/main" val="3747383520"/>
+        <p14:creationId xmlns:p14="http://schemas.microsoft.com/office/powerpoint/2010/main" val="2459501080"/>
       </p:ext>
     </p:extLst>
   </p:cSld>
@@ -2160,7 +2166,7 @@
           <a:p>
             <a:fld id="{5C5F467D-7BA8-43F8-8FA2-DA22838E2E21}" type="datetime1">
               <a:rPr lang="ru-RU" smtClean="0"/>
-              <a:t>01.06.2017</a:t>
+              <a:t>21.07.2017</a:t>
             </a:fld>
             <a:endParaRPr lang="ru-RU"/>
           </a:p>
@@ -2215,7 +2221,7 @@
     </p:spTree>
     <p:extLst>
       <p:ext uri="{BB962C8B-B14F-4D97-AF65-F5344CB8AC3E}">
-        <p14:creationId xmlns:p14="http://schemas.microsoft.com/office/powerpoint/2010/main" val="1270129349"/>
+        <p14:creationId xmlns:p14="http://schemas.microsoft.com/office/powerpoint/2010/main" val="2747333920"/>
       </p:ext>
     </p:extLst>
   </p:cSld>
@@ -2543,7 +2549,7 @@
           <a:p>
             <a:fld id="{D55051CD-3B9C-4C72-8C03-C8DCC1862CEB}" type="datetime1">
               <a:rPr lang="ru-RU" smtClean="0"/>
-              <a:t>01.06.2017</a:t>
+              <a:t>21.07.2017</a:t>
             </a:fld>
             <a:endParaRPr lang="ru-RU"/>
           </a:p>
@@ -2598,7 +2604,7 @@
     </p:spTree>
     <p:extLst>
       <p:ext uri="{BB962C8B-B14F-4D97-AF65-F5344CB8AC3E}">
-        <p14:creationId xmlns:p14="http://schemas.microsoft.com/office/powerpoint/2010/main" val="982758397"/>
+        <p14:creationId xmlns:p14="http://schemas.microsoft.com/office/powerpoint/2010/main" val="1433906099"/>
       </p:ext>
     </p:extLst>
   </p:cSld>
@@ -2625,32 +2631,6 @@
           <a:chExt cx="0" cy="0"/>
         </a:xfrm>
       </p:grpSpPr>
-      <p:pic>
-        <p:nvPicPr>
-          <p:cNvPr id="6" name="Рисунок 5"/>
-          <p:cNvPicPr>
-            <a:picLocks noChangeAspect="1"/>
-          </p:cNvPicPr>
-          <p:nvPr/>
-        </p:nvPicPr>
-        <p:blipFill>
-          <a:blip r:embed="rId2">
-            <a:lum bright="70000" contrast="-70000"/>
-          </a:blip>
-          <a:stretch>
-            <a:fillRect/>
-          </a:stretch>
-        </p:blipFill>
-        <p:spPr>
-          <a:xfrm>
-            <a:off x="8639175" y="142875"/>
-            <a:ext cx="3413506" cy="3390900"/>
-          </a:xfrm>
-          <a:prstGeom prst="rect">
-            <a:avLst/>
-          </a:prstGeom>
-        </p:spPr>
-      </p:pic>
       <p:sp>
         <p:nvSpPr>
           <p:cNvPr id="2" name="Title 1"/>
@@ -2691,7 +2671,7 @@
           <a:p>
             <a:fld id="{ACC548B0-74BB-46CD-9A6E-7091728BCA44}" type="datetime1">
               <a:rPr lang="ru-RU" smtClean="0"/>
-              <a:t>01.06.2017</a:t>
+              <a:t>21.07.2017</a:t>
             </a:fld>
             <a:endParaRPr lang="ru-RU"/>
           </a:p>
@@ -2776,7 +2756,7 @@
     </p:spTree>
     <p:extLst>
       <p:ext uri="{BB962C8B-B14F-4D97-AF65-F5344CB8AC3E}">
-        <p14:creationId xmlns:p14="http://schemas.microsoft.com/office/powerpoint/2010/main" val="3542343367"/>
+        <p14:creationId xmlns:p14="http://schemas.microsoft.com/office/powerpoint/2010/main" val="3209501477"/>
       </p:ext>
     </p:extLst>
   </p:cSld>
@@ -2896,7 +2876,7 @@
           <a:p>
             <a:fld id="{692D9E47-95B9-486E-80D6-EB617D9FC9D3}" type="datetime1">
               <a:rPr lang="ru-RU" smtClean="0"/>
-              <a:t>01.06.2017</a:t>
+              <a:t>21.07.2017</a:t>
             </a:fld>
             <a:endParaRPr lang="ru-RU"/>
           </a:p>
@@ -2958,15 +2938,19 @@
       </p:sp>
       <p:pic>
         <p:nvPicPr>
-          <p:cNvPr id="10" name="Рисунок 9"/>
+          <p:cNvPr id="4" name="Рисунок 3"/>
           <p:cNvPicPr>
             <a:picLocks noChangeAspect="1"/>
           </p:cNvPicPr>
           <p:nvPr/>
         </p:nvPicPr>
         <p:blipFill>
-          <a:blip r:embed="rId2">
-            <a:lum bright="70000" contrast="-70000"/>
+          <a:blip r:embed="rId2" cstate="print">
+            <a:extLst>
+              <a:ext uri="{28A0092B-C50C-407E-A947-70E740481C1C}">
+                <a14:useLocalDpi xmlns:a14="http://schemas.microsoft.com/office/drawing/2010/main" val="0"/>
+              </a:ext>
+            </a:extLst>
           </a:blip>
           <a:stretch>
             <a:fillRect/>
@@ -2974,8 +2958,8 @@
         </p:blipFill>
         <p:spPr>
           <a:xfrm>
-            <a:off x="8639175" y="142875"/>
-            <a:ext cx="3413506" cy="3390900"/>
+            <a:off x="9594989" y="0"/>
+            <a:ext cx="2593853" cy="2642621"/>
           </a:xfrm>
           <a:prstGeom prst="rect">
             <a:avLst/>
@@ -2985,7 +2969,7 @@
     </p:spTree>
     <p:extLst>
       <p:ext uri="{BB962C8B-B14F-4D97-AF65-F5344CB8AC3E}">
-        <p14:creationId xmlns:p14="http://schemas.microsoft.com/office/powerpoint/2010/main" val="3029487622"/>
+        <p14:creationId xmlns:p14="http://schemas.microsoft.com/office/powerpoint/2010/main" val="1470446769"/>
       </p:ext>
     </p:extLst>
   </p:cSld>
@@ -3280,7 +3264,7 @@
           <a:p>
             <a:fld id="{174700D0-7D0D-4040-8FA5-D1BABFD06883}" type="datetime1">
               <a:rPr lang="ru-RU" smtClean="0"/>
-              <a:t>01.06.2017</a:t>
+              <a:t>21.07.2017</a:t>
             </a:fld>
             <a:endParaRPr lang="ru-RU"/>
           </a:p>
@@ -3356,7 +3340,7 @@
     </p:spTree>
     <p:extLst>
       <p:ext uri="{BB962C8B-B14F-4D97-AF65-F5344CB8AC3E}">
-        <p14:creationId xmlns:p14="http://schemas.microsoft.com/office/powerpoint/2010/main" val="3415021699"/>
+        <p14:creationId xmlns:p14="http://schemas.microsoft.com/office/powerpoint/2010/main" val="1494694374"/>
       </p:ext>
     </p:extLst>
   </p:cSld>
@@ -3661,7 +3645,7 @@
           <a:p>
             <a:fld id="{4F3F2D6E-B66E-4299-894C-98C8C86AF2D7}" type="datetime1">
               <a:rPr lang="ru-RU" smtClean="0"/>
-              <a:t>01.06.2017</a:t>
+              <a:t>21.07.2017</a:t>
             </a:fld>
             <a:endParaRPr lang="ru-RU"/>
           </a:p>
@@ -3716,7 +3700,7 @@
     </p:spTree>
     <p:extLst>
       <p:ext uri="{BB962C8B-B14F-4D97-AF65-F5344CB8AC3E}">
-        <p14:creationId xmlns:p14="http://schemas.microsoft.com/office/powerpoint/2010/main" val="3808524754"/>
+        <p14:creationId xmlns:p14="http://schemas.microsoft.com/office/powerpoint/2010/main" val="1672355931"/>
       </p:ext>
     </p:extLst>
   </p:cSld>
@@ -3748,32 +3732,6 @@
           <a:chExt cx="0" cy="0"/>
         </a:xfrm>
       </p:grpSpPr>
-      <p:pic>
-        <p:nvPicPr>
-          <p:cNvPr id="11" name="Рисунок 10"/>
-          <p:cNvPicPr>
-            <a:picLocks noChangeAspect="1"/>
-          </p:cNvPicPr>
-          <p:nvPr/>
-        </p:nvPicPr>
-        <p:blipFill>
-          <a:blip r:embed="rId14">
-            <a:lum bright="70000" contrast="-70000"/>
-          </a:blip>
-          <a:stretch>
-            <a:fillRect/>
-          </a:stretch>
-        </p:blipFill>
-        <p:spPr>
-          <a:xfrm>
-            <a:off x="10556472" y="54186"/>
-            <a:ext cx="1585303" cy="1574804"/>
-          </a:xfrm>
-          <a:prstGeom prst="rect">
-            <a:avLst/>
-          </a:prstGeom>
-        </p:spPr>
-      </p:pic>
       <p:cxnSp>
         <p:nvCxnSpPr>
           <p:cNvPr id="12" name="Прямая соединительная линия 11"/>
@@ -4008,7 +3966,7 @@
           <a:p>
             <a:fld id="{16F1FC81-EA4D-42A0-946B-EC450948E44A}" type="datetime1">
               <a:rPr lang="ru-RU" smtClean="0"/>
-              <a:t>01.06.2017</a:t>
+              <a:t>21.07.2017</a:t>
             </a:fld>
             <a:endParaRPr lang="ru-RU"/>
           </a:p>
@@ -4130,27 +4088,57 @@
           </a:fontRef>
         </p:style>
       </p:cxnSp>
+      <p:pic>
+        <p:nvPicPr>
+          <p:cNvPr id="16" name="Рисунок 15"/>
+          <p:cNvPicPr>
+            <a:picLocks noChangeAspect="1"/>
+          </p:cNvPicPr>
+          <p:nvPr/>
+        </p:nvPicPr>
+        <p:blipFill>
+          <a:blip r:embed="rId14" cstate="print">
+            <a:extLst>
+              <a:ext uri="{28A0092B-C50C-407E-A947-70E740481C1C}">
+                <a14:useLocalDpi xmlns:a14="http://schemas.microsoft.com/office/drawing/2010/main" val="0"/>
+              </a:ext>
+            </a:extLst>
+          </a:blip>
+          <a:stretch>
+            <a:fillRect/>
+          </a:stretch>
+        </p:blipFill>
+        <p:spPr>
+          <a:xfrm>
+            <a:off x="10340064" y="-165977"/>
+            <a:ext cx="2079399" cy="2118495"/>
+          </a:xfrm>
+          <a:prstGeom prst="rect">
+            <a:avLst/>
+          </a:prstGeom>
+        </p:spPr>
+      </p:pic>
     </p:spTree>
     <p:extLst>
       <p:ext uri="{BB962C8B-B14F-4D97-AF65-F5344CB8AC3E}">
-        <p14:creationId xmlns:p14="http://schemas.microsoft.com/office/powerpoint/2010/main" val="3025807780"/>
+        <p14:creationId xmlns:p14="http://schemas.microsoft.com/office/powerpoint/2010/main" val="373986373"/>
       </p:ext>
     </p:extLst>
   </p:cSld>
   <p:clrMap bg1="lt1" tx1="dk1" bg2="lt2" tx2="dk2" accent1="accent1" accent2="accent2" accent3="accent3" accent4="accent4" accent5="accent5" accent6="accent6" hlink="hlink" folHlink="folHlink"/>
   <p:sldLayoutIdLst>
-    <p:sldLayoutId id="2147483674" r:id="rId1"/>
-    <p:sldLayoutId id="2147483675" r:id="rId2"/>
-    <p:sldLayoutId id="2147483676" r:id="rId3"/>
-    <p:sldLayoutId id="2147483677" r:id="rId4"/>
-    <p:sldLayoutId id="2147483678" r:id="rId5"/>
-    <p:sldLayoutId id="2147483679" r:id="rId6"/>
-    <p:sldLayoutId id="2147483680" r:id="rId7"/>
-    <p:sldLayoutId id="2147483681" r:id="rId8"/>
-    <p:sldLayoutId id="2147483682" r:id="rId9"/>
-    <p:sldLayoutId id="2147483683" r:id="rId10"/>
-    <p:sldLayoutId id="2147483684" r:id="rId11"/>
-    <p:sldLayoutId id="2147483685" r:id="rId12"/>
+    <p:sldLayoutId id="2147483687" r:id="rId1"/>
+    <p:sldLayoutId id="2147483688" r:id="rId2"/>
+    <p:sldLayoutId id="2147483689" r:id="rId3"/>
+    <p:sldLayoutId id="2147483690" r:id="rId4"/>
+    <p:sldLayoutId id="2147483691" r:id="rId5"/>
+    <p:sldLayoutId id="2147483692" r:id="rId6"/>
+    <p:sldLayoutId id="2147483693" r:id="rId7"/>
+    <p:sldLayoutId id="2147483694" r:id="rId8"/>
+    <p:sldLayoutId id="2147483695" r:id="rId9"/>
+    <p:sldLayoutId id="2147483696" r:id="rId10"/>
+    <p:sldLayoutId id="2147483697" r:id="rId11"/>
+    <p:sldLayoutId id="2147483698" r:id="rId12"/>
   </p:sldLayoutIdLst>
   <p:hf hdr="0" dt="0"/>
   <p:txStyles>
@@ -9154,7 +9142,7 @@
 </file>
 
 <file path=ppt/theme/theme1.xml><?xml version="1.0" encoding="utf-8"?>
-<a:theme xmlns:a="http://schemas.openxmlformats.org/drawingml/2006/main" name="Тема2">
+<a:theme xmlns:a="http://schemas.openxmlformats.org/drawingml/2006/main" name="Тема1">
   <a:themeElements>
     <a:clrScheme name="Зеленый и желтый">
       <a:dk1>
@@ -9430,7 +9418,7 @@
   <a:extraClrSchemeLst/>
   <a:extLst>
     <a:ext uri="{05A4C25C-085E-4340-85A3-A5531E510DB2}">
-      <thm15:themeFamily xmlns:thm15="http://schemas.microsoft.com/office/thememl/2012/main" name="Тема2" id="{F6853AF9-8BEF-47B7-BFEA-1EB0A7F5E420}" vid="{7B47C7A1-DDBD-44DB-B5FC-9345D842DEB1}"/>
+      <thm15:themeFamily xmlns:thm15="http://schemas.microsoft.com/office/thememl/2012/main" name="Тема1" id="{5BB4979D-64F3-4350-A0FB-77B4AA112ABA}" vid="{9ECF0165-2A38-4AFC-8A84-C27FBD5E703B}"/>
     </a:ext>
   </a:extLst>
 </a:theme>
